--- a/Tensorflow/Tensorflow.pptx
+++ b/Tensorflow/Tensorflow.pptx
@@ -8,6 +8,7 @@
     <p:sldId id="256" r:id="rId2"/>
     <p:sldId id="257" r:id="rId3"/>
     <p:sldId id="258" r:id="rId4"/>
+    <p:sldId id="259" r:id="rId5"/>
   </p:sldIdLst>
   <p:sldSz cx="12192000" cy="6858000"/>
   <p:notesSz cx="6858000" cy="9144000"/>
@@ -106,6 +107,11 @@
       </a:defRPr>
     </a:lvl9pPr>
   </p:defaultTextStyle>
+  <p:extLst>
+    <p:ext uri="{EFAFB233-063F-42B5-8137-9DF3F51BA10A}">
+      <p15:sldGuideLst xmlns:p15="http://schemas.microsoft.com/office/powerpoint/2012/main"/>
+    </p:ext>
+  </p:extLst>
 </p:presentation>
 </file>
 
@@ -256,7 +262,7 @@
           <a:p>
             <a:fld id="{40BE436D-1A6A-424A-98A0-E913A39CCFF8}" type="datetimeFigureOut">
               <a:rPr lang="en-US" smtClean="0"/>
-              <a:t>2/21/2022</a:t>
+              <a:t>2/25/2022</a:t>
             </a:fld>
             <a:endParaRPr lang="en-US"/>
           </a:p>
@@ -454,7 +460,7 @@
           <a:p>
             <a:fld id="{40BE436D-1A6A-424A-98A0-E913A39CCFF8}" type="datetimeFigureOut">
               <a:rPr lang="en-US" smtClean="0"/>
-              <a:t>2/21/2022</a:t>
+              <a:t>2/25/2022</a:t>
             </a:fld>
             <a:endParaRPr lang="en-US"/>
           </a:p>
@@ -662,7 +668,7 @@
           <a:p>
             <a:fld id="{40BE436D-1A6A-424A-98A0-E913A39CCFF8}" type="datetimeFigureOut">
               <a:rPr lang="en-US" smtClean="0"/>
-              <a:t>2/21/2022</a:t>
+              <a:t>2/25/2022</a:t>
             </a:fld>
             <a:endParaRPr lang="en-US"/>
           </a:p>
@@ -860,7 +866,7 @@
           <a:p>
             <a:fld id="{40BE436D-1A6A-424A-98A0-E913A39CCFF8}" type="datetimeFigureOut">
               <a:rPr lang="en-US" smtClean="0"/>
-              <a:t>2/21/2022</a:t>
+              <a:t>2/25/2022</a:t>
             </a:fld>
             <a:endParaRPr lang="en-US"/>
           </a:p>
@@ -1135,7 +1141,7 @@
           <a:p>
             <a:fld id="{40BE436D-1A6A-424A-98A0-E913A39CCFF8}" type="datetimeFigureOut">
               <a:rPr lang="en-US" smtClean="0"/>
-              <a:t>2/21/2022</a:t>
+              <a:t>2/25/2022</a:t>
             </a:fld>
             <a:endParaRPr lang="en-US"/>
           </a:p>
@@ -1400,7 +1406,7 @@
           <a:p>
             <a:fld id="{40BE436D-1A6A-424A-98A0-E913A39CCFF8}" type="datetimeFigureOut">
               <a:rPr lang="en-US" smtClean="0"/>
-              <a:t>2/21/2022</a:t>
+              <a:t>2/25/2022</a:t>
             </a:fld>
             <a:endParaRPr lang="en-US"/>
           </a:p>
@@ -1812,7 +1818,7 @@
           <a:p>
             <a:fld id="{40BE436D-1A6A-424A-98A0-E913A39CCFF8}" type="datetimeFigureOut">
               <a:rPr lang="en-US" smtClean="0"/>
-              <a:t>2/21/2022</a:t>
+              <a:t>2/25/2022</a:t>
             </a:fld>
             <a:endParaRPr lang="en-US"/>
           </a:p>
@@ -1953,7 +1959,7 @@
           <a:p>
             <a:fld id="{40BE436D-1A6A-424A-98A0-E913A39CCFF8}" type="datetimeFigureOut">
               <a:rPr lang="en-US" smtClean="0"/>
-              <a:t>2/21/2022</a:t>
+              <a:t>2/25/2022</a:t>
             </a:fld>
             <a:endParaRPr lang="en-US"/>
           </a:p>
@@ -2066,7 +2072,7 @@
           <a:p>
             <a:fld id="{40BE436D-1A6A-424A-98A0-E913A39CCFF8}" type="datetimeFigureOut">
               <a:rPr lang="en-US" smtClean="0"/>
-              <a:t>2/21/2022</a:t>
+              <a:t>2/25/2022</a:t>
             </a:fld>
             <a:endParaRPr lang="en-US"/>
           </a:p>
@@ -2377,7 +2383,7 @@
           <a:p>
             <a:fld id="{40BE436D-1A6A-424A-98A0-E913A39CCFF8}" type="datetimeFigureOut">
               <a:rPr lang="en-US" smtClean="0"/>
-              <a:t>2/21/2022</a:t>
+              <a:t>2/25/2022</a:t>
             </a:fld>
             <a:endParaRPr lang="en-US"/>
           </a:p>
@@ -2665,7 +2671,7 @@
           <a:p>
             <a:fld id="{40BE436D-1A6A-424A-98A0-E913A39CCFF8}" type="datetimeFigureOut">
               <a:rPr lang="en-US" smtClean="0"/>
-              <a:t>2/21/2022</a:t>
+              <a:t>2/25/2022</a:t>
             </a:fld>
             <a:endParaRPr lang="en-US"/>
           </a:p>
@@ -2906,7 +2912,7 @@
           <a:p>
             <a:fld id="{40BE436D-1A6A-424A-98A0-E913A39CCFF8}" type="datetimeFigureOut">
               <a:rPr lang="en-US" smtClean="0"/>
-              <a:t>2/21/2022</a:t>
+              <a:t>2/25/2022</a:t>
             </a:fld>
             <a:endParaRPr lang="en-US"/>
           </a:p>
@@ -3424,35 +3430,120 @@
           <a:bodyPr/>
           <a:lstStyle/>
           <a:p>
+            <a:r>
+              <a:rPr lang="en-US" dirty="0"/>
+              <a:t>Layers</a:t>
+            </a:r>
+          </a:p>
+        </p:txBody>
+      </p:sp>
+      <p:sp>
+        <p:nvSpPr>
+          <p:cNvPr id="3" name="Content Placeholder 2">
+            <a:extLst>
+              <a:ext uri="{FF2B5EF4-FFF2-40B4-BE49-F238E27FC236}">
+                <a16:creationId xmlns:a16="http://schemas.microsoft.com/office/drawing/2014/main" id="{86011FF2-4797-46BA-9297-1BCB7AC6F2A9}"/>
+              </a:ext>
+            </a:extLst>
+          </p:cNvPr>
+          <p:cNvSpPr>
+            <a:spLocks noGrp="1"/>
+          </p:cNvSpPr>
+          <p:nvPr>
+            <p:ph idx="1"/>
+          </p:nvPr>
+        </p:nvSpPr>
+        <p:spPr/>
+        <p:txBody>
+          <a:bodyPr/>
+          <a:lstStyle/>
+          <a:p>
             <a:endParaRPr lang="en-US"/>
           </a:p>
         </p:txBody>
       </p:sp>
       <p:sp>
         <p:nvSpPr>
-          <p:cNvPr id="3" name="Content Placeholder 2">
-            <a:extLst>
-              <a:ext uri="{FF2B5EF4-FFF2-40B4-BE49-F238E27FC236}">
-                <a16:creationId xmlns:a16="http://schemas.microsoft.com/office/drawing/2014/main" id="{86011FF2-4797-46BA-9297-1BCB7AC6F2A9}"/>
-              </a:ext>
-            </a:extLst>
-          </p:cNvPr>
-          <p:cNvSpPr>
-            <a:spLocks noGrp="1"/>
-          </p:cNvSpPr>
-          <p:nvPr>
-            <p:ph idx="1"/>
-          </p:nvPr>
-        </p:nvSpPr>
-        <p:spPr/>
-        <p:txBody>
-          <a:bodyPr/>
-          <a:lstStyle/>
-          <a:p>
-            <a:endParaRPr lang="en-US"/>
-          </a:p>
-        </p:txBody>
-      </p:sp>
+          <p:cNvPr id="5" name="TextBox 4">
+            <a:extLst>
+              <a:ext uri="{FF2B5EF4-FFF2-40B4-BE49-F238E27FC236}">
+                <a16:creationId xmlns:a16="http://schemas.microsoft.com/office/drawing/2014/main" id="{4FE4F60C-CF9C-41CC-B991-66818A631D68}"/>
+              </a:ext>
+            </a:extLst>
+          </p:cNvPr>
+          <p:cNvSpPr txBox="1"/>
+          <p:nvPr/>
+        </p:nvSpPr>
+        <p:spPr>
+          <a:xfrm>
+            <a:off x="838200" y="6488668"/>
+            <a:ext cx="10356542" cy="369332"/>
+          </a:xfrm>
+          <a:prstGeom prst="rect">
+            <a:avLst/>
+          </a:prstGeom>
+          <a:noFill/>
+        </p:spPr>
+        <p:txBody>
+          <a:bodyPr wrap="square">
+            <a:spAutoFit/>
+          </a:bodyPr>
+          <a:lstStyle/>
+          <a:p>
+            <a:r>
+              <a:rPr lang="en-US" dirty="0"/>
+              <a:t>https://towardsdatascience.com/the-mostly-complete-chart-of-neural-networks-explained-3fb6f2367464</a:t>
+            </a:r>
+          </a:p>
+        </p:txBody>
+      </p:sp>
+      <p:pic>
+        <p:nvPicPr>
+          <p:cNvPr id="1026" name="Picture 2">
+            <a:extLst>
+              <a:ext uri="{FF2B5EF4-FFF2-40B4-BE49-F238E27FC236}">
+                <a16:creationId xmlns:a16="http://schemas.microsoft.com/office/drawing/2014/main" id="{3F4EF640-8AE5-436C-BDA6-3CC7AD542467}"/>
+              </a:ext>
+            </a:extLst>
+          </p:cNvPr>
+          <p:cNvPicPr>
+            <a:picLocks noChangeAspect="1" noChangeArrowheads="1"/>
+          </p:cNvPicPr>
+          <p:nvPr/>
+        </p:nvPicPr>
+        <p:blipFill>
+          <a:blip r:embed="rId2">
+            <a:extLst>
+              <a:ext uri="{28A0092B-C50C-407E-A947-70E740481C1C}">
+                <a14:useLocalDpi xmlns:a14="http://schemas.microsoft.com/office/drawing/2010/main" val="0"/>
+              </a:ext>
+            </a:extLst>
+          </a:blip>
+          <a:srcRect/>
+          <a:stretch>
+            <a:fillRect/>
+          </a:stretch>
+        </p:blipFill>
+        <p:spPr bwMode="auto">
+          <a:xfrm>
+            <a:off x="4413681" y="57215"/>
+            <a:ext cx="4319771" cy="6479658"/>
+          </a:xfrm>
+          <a:prstGeom prst="rect">
+            <a:avLst/>
+          </a:prstGeom>
+          <a:noFill/>
+          <a:extLst>
+            <a:ext uri="{909E8E84-426E-40DD-AFC4-6F175D3DCCD1}">
+              <a14:hiddenFill xmlns:a14="http://schemas.microsoft.com/office/drawing/2010/main">
+                <a:solidFill>
+                  <a:srgbClr val="FFFFFF"/>
+                </a:solidFill>
+              </a14:hiddenFill>
+            </a:ext>
+          </a:extLst>
+        </p:spPr>
+      </p:pic>
     </p:spTree>
     <p:extLst>
       <p:ext uri="{BB962C8B-B14F-4D97-AF65-F5344CB8AC3E}">
@@ -3504,39 +3595,254 @@
           <a:bodyPr/>
           <a:lstStyle/>
           <a:p>
+            <a:endParaRPr lang="en-US" dirty="0"/>
+          </a:p>
+        </p:txBody>
+      </p:sp>
+      <p:sp>
+        <p:nvSpPr>
+          <p:cNvPr id="3" name="Content Placeholder 2">
+            <a:extLst>
+              <a:ext uri="{FF2B5EF4-FFF2-40B4-BE49-F238E27FC236}">
+                <a16:creationId xmlns:a16="http://schemas.microsoft.com/office/drawing/2014/main" id="{2001D675-4854-40FA-ADF0-B562398F5F08}"/>
+              </a:ext>
+            </a:extLst>
+          </p:cNvPr>
+          <p:cNvSpPr>
+            <a:spLocks noGrp="1"/>
+          </p:cNvSpPr>
+          <p:nvPr>
+            <p:ph idx="1"/>
+          </p:nvPr>
+        </p:nvSpPr>
+        <p:spPr/>
+        <p:txBody>
+          <a:bodyPr/>
+          <a:lstStyle/>
+          <a:p>
             <a:endParaRPr lang="en-US"/>
           </a:p>
         </p:txBody>
       </p:sp>
-      <p:sp>
-        <p:nvSpPr>
-          <p:cNvPr id="3" name="Content Placeholder 2">
-            <a:extLst>
-              <a:ext uri="{FF2B5EF4-FFF2-40B4-BE49-F238E27FC236}">
-                <a16:creationId xmlns:a16="http://schemas.microsoft.com/office/drawing/2014/main" id="{2001D675-4854-40FA-ADF0-B562398F5F08}"/>
-              </a:ext>
-            </a:extLst>
-          </p:cNvPr>
-          <p:cNvSpPr>
-            <a:spLocks noGrp="1"/>
-          </p:cNvSpPr>
-          <p:nvPr>
-            <p:ph idx="1"/>
-          </p:nvPr>
-        </p:nvSpPr>
-        <p:spPr/>
-        <p:txBody>
-          <a:bodyPr/>
-          <a:lstStyle/>
-          <a:p>
-            <a:endParaRPr lang="en-US"/>
-          </a:p>
-        </p:txBody>
-      </p:sp>
+      <p:pic>
+        <p:nvPicPr>
+          <p:cNvPr id="4" name="Picture 2">
+            <a:extLst>
+              <a:ext uri="{FF2B5EF4-FFF2-40B4-BE49-F238E27FC236}">
+                <a16:creationId xmlns:a16="http://schemas.microsoft.com/office/drawing/2014/main" id="{90D7772B-9A97-413E-A1D9-2143EF401231}"/>
+              </a:ext>
+            </a:extLst>
+          </p:cNvPr>
+          <p:cNvPicPr>
+            <a:picLocks noChangeAspect="1" noChangeArrowheads="1"/>
+          </p:cNvPicPr>
+          <p:nvPr/>
+        </p:nvPicPr>
+        <p:blipFill rotWithShape="1">
+          <a:blip r:embed="rId2">
+            <a:extLst>
+              <a:ext uri="{28A0092B-C50C-407E-A947-70E740481C1C}">
+                <a14:useLocalDpi xmlns:a14="http://schemas.microsoft.com/office/drawing/2010/main" val="0"/>
+              </a:ext>
+            </a:extLst>
+          </a:blip>
+          <a:srcRect b="58116"/>
+          <a:stretch/>
+        </p:blipFill>
+        <p:spPr bwMode="auto">
+          <a:xfrm>
+            <a:off x="838200" y="0"/>
+            <a:ext cx="10515600" cy="6606623"/>
+          </a:xfrm>
+          <a:prstGeom prst="rect">
+            <a:avLst/>
+          </a:prstGeom>
+          <a:noFill/>
+          <a:extLst>
+            <a:ext uri="{909E8E84-426E-40DD-AFC4-6F175D3DCCD1}">
+              <a14:hiddenFill xmlns:a14="http://schemas.microsoft.com/office/drawing/2010/main">
+                <a:solidFill>
+                  <a:srgbClr val="FFFFFF"/>
+                </a:solidFill>
+              </a14:hiddenFill>
+            </a:ext>
+          </a:extLst>
+        </p:spPr>
+      </p:pic>
     </p:spTree>
     <p:extLst>
       <p:ext uri="{BB962C8B-B14F-4D97-AF65-F5344CB8AC3E}">
         <p14:creationId xmlns:p14="http://schemas.microsoft.com/office/powerpoint/2010/main" val="2556114733"/>
+      </p:ext>
+    </p:extLst>
+  </p:cSld>
+  <p:clrMapOvr>
+    <a:masterClrMapping/>
+  </p:clrMapOvr>
+</p:sld>
+</file>
+
+<file path=ppt/slides/slide4.xml><?xml version="1.0" encoding="utf-8"?>
+<p:sld xmlns:a="http://schemas.openxmlformats.org/drawingml/2006/main" xmlns:r="http://schemas.openxmlformats.org/officeDocument/2006/relationships" xmlns:p="http://schemas.openxmlformats.org/presentationml/2006/main">
+  <p:cSld>
+    <p:spTree>
+      <p:nvGrpSpPr>
+        <p:cNvPr id="1" name=""/>
+        <p:cNvGrpSpPr/>
+        <p:nvPr/>
+      </p:nvGrpSpPr>
+      <p:grpSpPr>
+        <a:xfrm>
+          <a:off x="0" y="0"/>
+          <a:ext cx="0" cy="0"/>
+          <a:chOff x="0" y="0"/>
+          <a:chExt cx="0" cy="0"/>
+        </a:xfrm>
+      </p:grpSpPr>
+      <p:sp>
+        <p:nvSpPr>
+          <p:cNvPr id="2" name="Title 1">
+            <a:extLst>
+              <a:ext uri="{FF2B5EF4-FFF2-40B4-BE49-F238E27FC236}">
+                <a16:creationId xmlns:a16="http://schemas.microsoft.com/office/drawing/2014/main" id="{2CEF55A5-92F8-4E77-82C9-8FB46B250F2B}"/>
+              </a:ext>
+            </a:extLst>
+          </p:cNvPr>
+          <p:cNvSpPr>
+            <a:spLocks noGrp="1"/>
+          </p:cNvSpPr>
+          <p:nvPr>
+            <p:ph type="title"/>
+          </p:nvPr>
+        </p:nvSpPr>
+        <p:spPr/>
+        <p:txBody>
+          <a:bodyPr/>
+          <a:lstStyle/>
+          <a:p>
+            <a:endParaRPr lang="en-US" dirty="0"/>
+          </a:p>
+        </p:txBody>
+      </p:sp>
+      <p:sp>
+        <p:nvSpPr>
+          <p:cNvPr id="3" name="Content Placeholder 2">
+            <a:extLst>
+              <a:ext uri="{FF2B5EF4-FFF2-40B4-BE49-F238E27FC236}">
+                <a16:creationId xmlns:a16="http://schemas.microsoft.com/office/drawing/2014/main" id="{2001D675-4854-40FA-ADF0-B562398F5F08}"/>
+              </a:ext>
+            </a:extLst>
+          </p:cNvPr>
+          <p:cNvSpPr>
+            <a:spLocks noGrp="1"/>
+          </p:cNvSpPr>
+          <p:nvPr>
+            <p:ph idx="1"/>
+          </p:nvPr>
+        </p:nvSpPr>
+        <p:spPr/>
+        <p:txBody>
+          <a:bodyPr/>
+          <a:lstStyle/>
+          <a:p>
+            <a:endParaRPr lang="en-US" dirty="0"/>
+          </a:p>
+        </p:txBody>
+      </p:sp>
+      <p:pic>
+        <p:nvPicPr>
+          <p:cNvPr id="4" name="Picture 2">
+            <a:extLst>
+              <a:ext uri="{FF2B5EF4-FFF2-40B4-BE49-F238E27FC236}">
+                <a16:creationId xmlns:a16="http://schemas.microsoft.com/office/drawing/2014/main" id="{90D7772B-9A97-413E-A1D9-2143EF401231}"/>
+              </a:ext>
+            </a:extLst>
+          </p:cNvPr>
+          <p:cNvPicPr>
+            <a:picLocks noChangeAspect="1" noChangeArrowheads="1"/>
+          </p:cNvPicPr>
+          <p:nvPr/>
+        </p:nvPicPr>
+        <p:blipFill rotWithShape="1">
+          <a:blip r:embed="rId2">
+            <a:extLst>
+              <a:ext uri="{28A0092B-C50C-407E-A947-70E740481C1C}">
+                <a14:useLocalDpi xmlns:a14="http://schemas.microsoft.com/office/drawing/2010/main" val="0"/>
+              </a:ext>
+            </a:extLst>
+          </a:blip>
+          <a:srcRect r="72701" b="58116"/>
+          <a:stretch/>
+        </p:blipFill>
+        <p:spPr bwMode="auto">
+          <a:xfrm>
+            <a:off x="1633453" y="609418"/>
+            <a:ext cx="2450275" cy="5639164"/>
+          </a:xfrm>
+          <a:prstGeom prst="rect">
+            <a:avLst/>
+          </a:prstGeom>
+          <a:noFill/>
+          <a:extLst>
+            <a:ext uri="{909E8E84-426E-40DD-AFC4-6F175D3DCCD1}">
+              <a14:hiddenFill xmlns:a14="http://schemas.microsoft.com/office/drawing/2010/main">
+                <a:solidFill>
+                  <a:srgbClr val="FFFFFF"/>
+                </a:solidFill>
+              </a14:hiddenFill>
+            </a:ext>
+          </a:extLst>
+        </p:spPr>
+      </p:pic>
+      <p:pic>
+        <p:nvPicPr>
+          <p:cNvPr id="5" name="Picture 2">
+            <a:extLst>
+              <a:ext uri="{FF2B5EF4-FFF2-40B4-BE49-F238E27FC236}">
+                <a16:creationId xmlns:a16="http://schemas.microsoft.com/office/drawing/2014/main" id="{F16B3897-3449-4F84-9043-CF6E9ED39487}"/>
+              </a:ext>
+            </a:extLst>
+          </p:cNvPr>
+          <p:cNvPicPr>
+            <a:picLocks noChangeAspect="1" noChangeArrowheads="1"/>
+          </p:cNvPicPr>
+          <p:nvPr/>
+        </p:nvPicPr>
+        <p:blipFill rotWithShape="1">
+          <a:blip r:embed="rId2">
+            <a:extLst>
+              <a:ext uri="{28A0092B-C50C-407E-A947-70E740481C1C}">
+                <a14:useLocalDpi xmlns:a14="http://schemas.microsoft.com/office/drawing/2010/main" val="0"/>
+              </a:ext>
+            </a:extLst>
+          </a:blip>
+          <a:srcRect t="41885"/>
+          <a:stretch/>
+        </p:blipFill>
+        <p:spPr bwMode="auto">
+          <a:xfrm>
+            <a:off x="4206845" y="0"/>
+            <a:ext cx="7888942" cy="6877040"/>
+          </a:xfrm>
+          <a:prstGeom prst="rect">
+            <a:avLst/>
+          </a:prstGeom>
+          <a:noFill/>
+          <a:extLst>
+            <a:ext uri="{909E8E84-426E-40DD-AFC4-6F175D3DCCD1}">
+              <a14:hiddenFill xmlns:a14="http://schemas.microsoft.com/office/drawing/2010/main">
+                <a:solidFill>
+                  <a:srgbClr val="FFFFFF"/>
+                </a:solidFill>
+              </a14:hiddenFill>
+            </a:ext>
+          </a:extLst>
+        </p:spPr>
+      </p:pic>
+    </p:spTree>
+    <p:extLst>
+      <p:ext uri="{BB962C8B-B14F-4D97-AF65-F5344CB8AC3E}">
+        <p14:creationId xmlns:p14="http://schemas.microsoft.com/office/powerpoint/2010/main" val="673327248"/>
       </p:ext>
     </p:extLst>
   </p:cSld>
